--- a/ppt 16-9/1089.我不知明天.pptx
+++ b/ppt 16-9/1089.我不知明天.pptx
@@ -129,7 +129,7 @@
           <p:cNvPr id="2" name="标题 1">
             <a:extLst>
               <a:ext uri="{FF2B5EF4-FFF2-40B4-BE49-F238E27FC236}">
-                <a16:creationId xmlns:a16="http://schemas.microsoft.com/office/drawing/2014/main" id="{6D4FF231-A6C9-EDFD-C508-DE6842BAE68B}"/>
+                <a16:creationId xmlns:a16="http://schemas.microsoft.com/office/drawing/2014/main" id="{4A52094B-C2A7-EA19-107D-67BDF451B26A}"/>
               </a:ext>
             </a:extLst>
           </p:cNvPr>
@@ -166,7 +166,7 @@
           <p:cNvPr id="3" name="副标题 2">
             <a:extLst>
               <a:ext uri="{FF2B5EF4-FFF2-40B4-BE49-F238E27FC236}">
-                <a16:creationId xmlns:a16="http://schemas.microsoft.com/office/drawing/2014/main" id="{37B61593-CB7E-B8A3-025B-4B8235E61279}"/>
+                <a16:creationId xmlns:a16="http://schemas.microsoft.com/office/drawing/2014/main" id="{A24FA19B-8F08-55B9-310E-1475919D65C7}"/>
               </a:ext>
             </a:extLst>
           </p:cNvPr>
@@ -236,7 +236,7 @@
           <p:cNvPr id="4" name="日期占位符 3">
             <a:extLst>
               <a:ext uri="{FF2B5EF4-FFF2-40B4-BE49-F238E27FC236}">
-                <a16:creationId xmlns:a16="http://schemas.microsoft.com/office/drawing/2014/main" id="{E9A1EFEC-BA78-6E7C-3EFD-4041E1243905}"/>
+                <a16:creationId xmlns:a16="http://schemas.microsoft.com/office/drawing/2014/main" id="{8EEC6DE5-DCCD-F875-6FF0-6850E1D12BD9}"/>
               </a:ext>
             </a:extLst>
           </p:cNvPr>
@@ -252,7 +252,7 @@
           <a:bodyPr/>
           <a:lstStyle/>
           <a:p>
-            <a:fld id="{B987F4D6-B4FB-42AD-B0ED-BC3E7DB8F926}" type="datetimeFigureOut">
+            <a:fld id="{1B121939-A0EB-4235-8946-083D9CED9A0F}" type="datetimeFigureOut">
               <a:rPr lang="zh-CN" altLang="en-US" smtClean="0"/>
               <a:t>2024/3/10</a:t>
             </a:fld>
@@ -265,7 +265,7 @@
           <p:cNvPr id="5" name="页脚占位符 4">
             <a:extLst>
               <a:ext uri="{FF2B5EF4-FFF2-40B4-BE49-F238E27FC236}">
-                <a16:creationId xmlns:a16="http://schemas.microsoft.com/office/drawing/2014/main" id="{7589AFDA-3E63-52F6-63F6-C835609299B9}"/>
+                <a16:creationId xmlns:a16="http://schemas.microsoft.com/office/drawing/2014/main" id="{1B3610C3-6177-8C2B-9EE9-0781EAC7F55C}"/>
               </a:ext>
             </a:extLst>
           </p:cNvPr>
@@ -290,7 +290,7 @@
           <p:cNvPr id="6" name="灯片编号占位符 5">
             <a:extLst>
               <a:ext uri="{FF2B5EF4-FFF2-40B4-BE49-F238E27FC236}">
-                <a16:creationId xmlns:a16="http://schemas.microsoft.com/office/drawing/2014/main" id="{6E47A95A-E7FE-6366-16BA-695B9591C1B3}"/>
+                <a16:creationId xmlns:a16="http://schemas.microsoft.com/office/drawing/2014/main" id="{037073C0-10EE-4C81-A583-965624AD38C9}"/>
               </a:ext>
             </a:extLst>
           </p:cNvPr>
@@ -306,7 +306,7 @@
           <a:bodyPr/>
           <a:lstStyle/>
           <a:p>
-            <a:fld id="{B64218D0-BBFB-4DE2-BB6E-D585165E6F26}" type="slidenum">
+            <a:fld id="{7FC3E106-1664-462E-9DA7-2597B4353DCF}" type="slidenum">
               <a:rPr lang="zh-CN" altLang="en-US" smtClean="0"/>
               <a:t>‹#›</a:t>
             </a:fld>
@@ -317,7 +317,7 @@
     </p:spTree>
     <p:extLst>
       <p:ext uri="{BB962C8B-B14F-4D97-AF65-F5344CB8AC3E}">
-        <p14:creationId xmlns:p14="http://schemas.microsoft.com/office/powerpoint/2010/main" val="1335234064"/>
+        <p14:creationId xmlns:p14="http://schemas.microsoft.com/office/powerpoint/2010/main" val="2716036169"/>
       </p:ext>
     </p:extLst>
   </p:cSld>
@@ -349,7 +349,7 @@
           <p:cNvPr id="2" name="标题 1">
             <a:extLst>
               <a:ext uri="{FF2B5EF4-FFF2-40B4-BE49-F238E27FC236}">
-                <a16:creationId xmlns:a16="http://schemas.microsoft.com/office/drawing/2014/main" id="{09002C9C-BCEA-DC15-763F-1DCFE691B9D3}"/>
+                <a16:creationId xmlns:a16="http://schemas.microsoft.com/office/drawing/2014/main" id="{DBF77AFE-DFFD-4131-7805-418880B6483A}"/>
               </a:ext>
             </a:extLst>
           </p:cNvPr>
@@ -377,7 +377,7 @@
           <p:cNvPr id="3" name="竖排文字占位符 2">
             <a:extLst>
               <a:ext uri="{FF2B5EF4-FFF2-40B4-BE49-F238E27FC236}">
-                <a16:creationId xmlns:a16="http://schemas.microsoft.com/office/drawing/2014/main" id="{83B449E3-CE12-C8CF-49AA-C18F33E66056}"/>
+                <a16:creationId xmlns:a16="http://schemas.microsoft.com/office/drawing/2014/main" id="{94024837-41B6-1AAB-8CF9-D4F8C204F7F5}"/>
               </a:ext>
             </a:extLst>
           </p:cNvPr>
@@ -434,7 +434,7 @@
           <p:cNvPr id="4" name="日期占位符 3">
             <a:extLst>
               <a:ext uri="{FF2B5EF4-FFF2-40B4-BE49-F238E27FC236}">
-                <a16:creationId xmlns:a16="http://schemas.microsoft.com/office/drawing/2014/main" id="{808AC25E-6900-ADDB-BD43-917C94353CC3}"/>
+                <a16:creationId xmlns:a16="http://schemas.microsoft.com/office/drawing/2014/main" id="{EEBD7EF3-4DB1-9297-44AD-04F17465EB3F}"/>
               </a:ext>
             </a:extLst>
           </p:cNvPr>
@@ -450,7 +450,7 @@
           <a:bodyPr/>
           <a:lstStyle/>
           <a:p>
-            <a:fld id="{B987F4D6-B4FB-42AD-B0ED-BC3E7DB8F926}" type="datetimeFigureOut">
+            <a:fld id="{1B121939-A0EB-4235-8946-083D9CED9A0F}" type="datetimeFigureOut">
               <a:rPr lang="zh-CN" altLang="en-US" smtClean="0"/>
               <a:t>2024/3/10</a:t>
             </a:fld>
@@ -463,7 +463,7 @@
           <p:cNvPr id="5" name="页脚占位符 4">
             <a:extLst>
               <a:ext uri="{FF2B5EF4-FFF2-40B4-BE49-F238E27FC236}">
-                <a16:creationId xmlns:a16="http://schemas.microsoft.com/office/drawing/2014/main" id="{570E7CBF-055F-338E-947D-1FA999B26758}"/>
+                <a16:creationId xmlns:a16="http://schemas.microsoft.com/office/drawing/2014/main" id="{DB78B3D3-334C-E41A-D324-AD2D3125707E}"/>
               </a:ext>
             </a:extLst>
           </p:cNvPr>
@@ -488,7 +488,7 @@
           <p:cNvPr id="6" name="灯片编号占位符 5">
             <a:extLst>
               <a:ext uri="{FF2B5EF4-FFF2-40B4-BE49-F238E27FC236}">
-                <a16:creationId xmlns:a16="http://schemas.microsoft.com/office/drawing/2014/main" id="{15CDDADF-F9C6-C20C-A010-DB1C40B1F58E}"/>
+                <a16:creationId xmlns:a16="http://schemas.microsoft.com/office/drawing/2014/main" id="{63F3845F-D3F0-F6C6-53A5-2298C1D0DEFE}"/>
               </a:ext>
             </a:extLst>
           </p:cNvPr>
@@ -504,7 +504,7 @@
           <a:bodyPr/>
           <a:lstStyle/>
           <a:p>
-            <a:fld id="{B64218D0-BBFB-4DE2-BB6E-D585165E6F26}" type="slidenum">
+            <a:fld id="{7FC3E106-1664-462E-9DA7-2597B4353DCF}" type="slidenum">
               <a:rPr lang="zh-CN" altLang="en-US" smtClean="0"/>
               <a:t>‹#›</a:t>
             </a:fld>
@@ -515,7 +515,7 @@
     </p:spTree>
     <p:extLst>
       <p:ext uri="{BB962C8B-B14F-4D97-AF65-F5344CB8AC3E}">
-        <p14:creationId xmlns:p14="http://schemas.microsoft.com/office/powerpoint/2010/main" val="2000554191"/>
+        <p14:creationId xmlns:p14="http://schemas.microsoft.com/office/powerpoint/2010/main" val="3255397726"/>
       </p:ext>
     </p:extLst>
   </p:cSld>
@@ -547,7 +547,7 @@
           <p:cNvPr id="2" name="竖排标题 1">
             <a:extLst>
               <a:ext uri="{FF2B5EF4-FFF2-40B4-BE49-F238E27FC236}">
-                <a16:creationId xmlns:a16="http://schemas.microsoft.com/office/drawing/2014/main" id="{FABD99AB-D5A3-5056-E4A9-4B00310AD885}"/>
+                <a16:creationId xmlns:a16="http://schemas.microsoft.com/office/drawing/2014/main" id="{D1C8E64C-4195-B5E8-5642-6CF7F378C719}"/>
               </a:ext>
             </a:extLst>
           </p:cNvPr>
@@ -580,7 +580,7 @@
           <p:cNvPr id="3" name="竖排文字占位符 2">
             <a:extLst>
               <a:ext uri="{FF2B5EF4-FFF2-40B4-BE49-F238E27FC236}">
-                <a16:creationId xmlns:a16="http://schemas.microsoft.com/office/drawing/2014/main" id="{936A0247-B769-FC4D-EF8E-F86A5658A074}"/>
+                <a16:creationId xmlns:a16="http://schemas.microsoft.com/office/drawing/2014/main" id="{64D00F49-4C20-D6A1-EF2B-E6BB77C2BA36}"/>
               </a:ext>
             </a:extLst>
           </p:cNvPr>
@@ -642,7 +642,7 @@
           <p:cNvPr id="4" name="日期占位符 3">
             <a:extLst>
               <a:ext uri="{FF2B5EF4-FFF2-40B4-BE49-F238E27FC236}">
-                <a16:creationId xmlns:a16="http://schemas.microsoft.com/office/drawing/2014/main" id="{915E9B94-0D4A-82B3-AC2B-4F6DAB0225F2}"/>
+                <a16:creationId xmlns:a16="http://schemas.microsoft.com/office/drawing/2014/main" id="{F848662D-0FA2-9253-DF53-EE9496AAB2B2}"/>
               </a:ext>
             </a:extLst>
           </p:cNvPr>
@@ -658,7 +658,7 @@
           <a:bodyPr/>
           <a:lstStyle/>
           <a:p>
-            <a:fld id="{B987F4D6-B4FB-42AD-B0ED-BC3E7DB8F926}" type="datetimeFigureOut">
+            <a:fld id="{1B121939-A0EB-4235-8946-083D9CED9A0F}" type="datetimeFigureOut">
               <a:rPr lang="zh-CN" altLang="en-US" smtClean="0"/>
               <a:t>2024/3/10</a:t>
             </a:fld>
@@ -671,7 +671,7 @@
           <p:cNvPr id="5" name="页脚占位符 4">
             <a:extLst>
               <a:ext uri="{FF2B5EF4-FFF2-40B4-BE49-F238E27FC236}">
-                <a16:creationId xmlns:a16="http://schemas.microsoft.com/office/drawing/2014/main" id="{5D146409-8FDD-9EB2-0B44-6BAB916AA751}"/>
+                <a16:creationId xmlns:a16="http://schemas.microsoft.com/office/drawing/2014/main" id="{6B05793D-2C59-0D13-7601-781E29E8D03B}"/>
               </a:ext>
             </a:extLst>
           </p:cNvPr>
@@ -696,7 +696,7 @@
           <p:cNvPr id="6" name="灯片编号占位符 5">
             <a:extLst>
               <a:ext uri="{FF2B5EF4-FFF2-40B4-BE49-F238E27FC236}">
-                <a16:creationId xmlns:a16="http://schemas.microsoft.com/office/drawing/2014/main" id="{4CB02789-0EEF-2396-B450-E47DE79DC022}"/>
+                <a16:creationId xmlns:a16="http://schemas.microsoft.com/office/drawing/2014/main" id="{CB9F189B-1B0B-2DFE-385C-2677776E3EB5}"/>
               </a:ext>
             </a:extLst>
           </p:cNvPr>
@@ -712,7 +712,7 @@
           <a:bodyPr/>
           <a:lstStyle/>
           <a:p>
-            <a:fld id="{B64218D0-BBFB-4DE2-BB6E-D585165E6F26}" type="slidenum">
+            <a:fld id="{7FC3E106-1664-462E-9DA7-2597B4353DCF}" type="slidenum">
               <a:rPr lang="zh-CN" altLang="en-US" smtClean="0"/>
               <a:t>‹#›</a:t>
             </a:fld>
@@ -723,7 +723,7 @@
     </p:spTree>
     <p:extLst>
       <p:ext uri="{BB962C8B-B14F-4D97-AF65-F5344CB8AC3E}">
-        <p14:creationId xmlns:p14="http://schemas.microsoft.com/office/powerpoint/2010/main" val="1983714570"/>
+        <p14:creationId xmlns:p14="http://schemas.microsoft.com/office/powerpoint/2010/main" val="308290543"/>
       </p:ext>
     </p:extLst>
   </p:cSld>
@@ -755,7 +755,7 @@
           <p:cNvPr id="2" name="标题 1">
             <a:extLst>
               <a:ext uri="{FF2B5EF4-FFF2-40B4-BE49-F238E27FC236}">
-                <a16:creationId xmlns:a16="http://schemas.microsoft.com/office/drawing/2014/main" id="{B0C0B765-4D57-757F-22CE-06A3E1FBF6FF}"/>
+                <a16:creationId xmlns:a16="http://schemas.microsoft.com/office/drawing/2014/main" id="{8D3C67B2-BE68-6F31-B548-264AB89C3B1F}"/>
               </a:ext>
             </a:extLst>
           </p:cNvPr>
@@ -783,7 +783,7 @@
           <p:cNvPr id="3" name="内容占位符 2">
             <a:extLst>
               <a:ext uri="{FF2B5EF4-FFF2-40B4-BE49-F238E27FC236}">
-                <a16:creationId xmlns:a16="http://schemas.microsoft.com/office/drawing/2014/main" id="{ECC4B922-F5A2-2532-E6BD-1893BA231E21}"/>
+                <a16:creationId xmlns:a16="http://schemas.microsoft.com/office/drawing/2014/main" id="{7270EC88-4C38-43CB-EEE8-E7F73CAE5017}"/>
               </a:ext>
             </a:extLst>
           </p:cNvPr>
@@ -840,7 +840,7 @@
           <p:cNvPr id="4" name="日期占位符 3">
             <a:extLst>
               <a:ext uri="{FF2B5EF4-FFF2-40B4-BE49-F238E27FC236}">
-                <a16:creationId xmlns:a16="http://schemas.microsoft.com/office/drawing/2014/main" id="{0ADF7806-A701-6A4E-12A9-C945040E11F5}"/>
+                <a16:creationId xmlns:a16="http://schemas.microsoft.com/office/drawing/2014/main" id="{2512726C-F5E2-17ED-4E1D-3F7C51B9BDF1}"/>
               </a:ext>
             </a:extLst>
           </p:cNvPr>
@@ -856,7 +856,7 @@
           <a:bodyPr/>
           <a:lstStyle/>
           <a:p>
-            <a:fld id="{B987F4D6-B4FB-42AD-B0ED-BC3E7DB8F926}" type="datetimeFigureOut">
+            <a:fld id="{1B121939-A0EB-4235-8946-083D9CED9A0F}" type="datetimeFigureOut">
               <a:rPr lang="zh-CN" altLang="en-US" smtClean="0"/>
               <a:t>2024/3/10</a:t>
             </a:fld>
@@ -869,7 +869,7 @@
           <p:cNvPr id="5" name="页脚占位符 4">
             <a:extLst>
               <a:ext uri="{FF2B5EF4-FFF2-40B4-BE49-F238E27FC236}">
-                <a16:creationId xmlns:a16="http://schemas.microsoft.com/office/drawing/2014/main" id="{B5B34145-7AD1-630E-C999-169CE54BC6EB}"/>
+                <a16:creationId xmlns:a16="http://schemas.microsoft.com/office/drawing/2014/main" id="{1C1C4F91-E8D6-0D75-DF61-B63124E048D7}"/>
               </a:ext>
             </a:extLst>
           </p:cNvPr>
@@ -894,7 +894,7 @@
           <p:cNvPr id="6" name="灯片编号占位符 5">
             <a:extLst>
               <a:ext uri="{FF2B5EF4-FFF2-40B4-BE49-F238E27FC236}">
-                <a16:creationId xmlns:a16="http://schemas.microsoft.com/office/drawing/2014/main" id="{1091955F-1875-6F6F-D8D8-3F932CD3FBD6}"/>
+                <a16:creationId xmlns:a16="http://schemas.microsoft.com/office/drawing/2014/main" id="{BAB3106B-BE74-6980-205F-6B690E37A5C1}"/>
               </a:ext>
             </a:extLst>
           </p:cNvPr>
@@ -910,7 +910,7 @@
           <a:bodyPr/>
           <a:lstStyle/>
           <a:p>
-            <a:fld id="{B64218D0-BBFB-4DE2-BB6E-D585165E6F26}" type="slidenum">
+            <a:fld id="{7FC3E106-1664-462E-9DA7-2597B4353DCF}" type="slidenum">
               <a:rPr lang="zh-CN" altLang="en-US" smtClean="0"/>
               <a:t>‹#›</a:t>
             </a:fld>
@@ -921,7 +921,7 @@
     </p:spTree>
     <p:extLst>
       <p:ext uri="{BB962C8B-B14F-4D97-AF65-F5344CB8AC3E}">
-        <p14:creationId xmlns:p14="http://schemas.microsoft.com/office/powerpoint/2010/main" val="2223507434"/>
+        <p14:creationId xmlns:p14="http://schemas.microsoft.com/office/powerpoint/2010/main" val="2926083554"/>
       </p:ext>
     </p:extLst>
   </p:cSld>
@@ -953,7 +953,7 @@
           <p:cNvPr id="2" name="标题 1">
             <a:extLst>
               <a:ext uri="{FF2B5EF4-FFF2-40B4-BE49-F238E27FC236}">
-                <a16:creationId xmlns:a16="http://schemas.microsoft.com/office/drawing/2014/main" id="{39A0E286-5701-824F-3CF1-ED28B95495B5}"/>
+                <a16:creationId xmlns:a16="http://schemas.microsoft.com/office/drawing/2014/main" id="{3D79C5D0-F51E-BF9E-B5A9-204375F294D3}"/>
               </a:ext>
             </a:extLst>
           </p:cNvPr>
@@ -990,7 +990,7 @@
           <p:cNvPr id="3" name="文本占位符 2">
             <a:extLst>
               <a:ext uri="{FF2B5EF4-FFF2-40B4-BE49-F238E27FC236}">
-                <a16:creationId xmlns:a16="http://schemas.microsoft.com/office/drawing/2014/main" id="{24526D49-0CEA-09FD-E8F8-DAD98208800E}"/>
+                <a16:creationId xmlns:a16="http://schemas.microsoft.com/office/drawing/2014/main" id="{4D5FAAB0-B6BF-D45B-D4E5-71D853BDC49E}"/>
               </a:ext>
             </a:extLst>
           </p:cNvPr>
@@ -1115,7 +1115,7 @@
           <p:cNvPr id="4" name="日期占位符 3">
             <a:extLst>
               <a:ext uri="{FF2B5EF4-FFF2-40B4-BE49-F238E27FC236}">
-                <a16:creationId xmlns:a16="http://schemas.microsoft.com/office/drawing/2014/main" id="{D6ABF634-0478-144B-616D-CAED4F5DEA07}"/>
+                <a16:creationId xmlns:a16="http://schemas.microsoft.com/office/drawing/2014/main" id="{1E58EA22-6D01-E9A5-784D-E21779145436}"/>
               </a:ext>
             </a:extLst>
           </p:cNvPr>
@@ -1131,7 +1131,7 @@
           <a:bodyPr/>
           <a:lstStyle/>
           <a:p>
-            <a:fld id="{B987F4D6-B4FB-42AD-B0ED-BC3E7DB8F926}" type="datetimeFigureOut">
+            <a:fld id="{1B121939-A0EB-4235-8946-083D9CED9A0F}" type="datetimeFigureOut">
               <a:rPr lang="zh-CN" altLang="en-US" smtClean="0"/>
               <a:t>2024/3/10</a:t>
             </a:fld>
@@ -1144,7 +1144,7 @@
           <p:cNvPr id="5" name="页脚占位符 4">
             <a:extLst>
               <a:ext uri="{FF2B5EF4-FFF2-40B4-BE49-F238E27FC236}">
-                <a16:creationId xmlns:a16="http://schemas.microsoft.com/office/drawing/2014/main" id="{8765AB1F-8A9D-8E3E-1F00-CD96260C493F}"/>
+                <a16:creationId xmlns:a16="http://schemas.microsoft.com/office/drawing/2014/main" id="{C2672593-BD21-2297-40B3-8D34A37AEB3B}"/>
               </a:ext>
             </a:extLst>
           </p:cNvPr>
@@ -1169,7 +1169,7 @@
           <p:cNvPr id="6" name="灯片编号占位符 5">
             <a:extLst>
               <a:ext uri="{FF2B5EF4-FFF2-40B4-BE49-F238E27FC236}">
-                <a16:creationId xmlns:a16="http://schemas.microsoft.com/office/drawing/2014/main" id="{C3A78447-E0F9-E100-0338-8F7E7688BFC3}"/>
+                <a16:creationId xmlns:a16="http://schemas.microsoft.com/office/drawing/2014/main" id="{AA143408-4D57-06B8-F9D9-78FB90142751}"/>
               </a:ext>
             </a:extLst>
           </p:cNvPr>
@@ -1185,7 +1185,7 @@
           <a:bodyPr/>
           <a:lstStyle/>
           <a:p>
-            <a:fld id="{B64218D0-BBFB-4DE2-BB6E-D585165E6F26}" type="slidenum">
+            <a:fld id="{7FC3E106-1664-462E-9DA7-2597B4353DCF}" type="slidenum">
               <a:rPr lang="zh-CN" altLang="en-US" smtClean="0"/>
               <a:t>‹#›</a:t>
             </a:fld>
@@ -1196,7 +1196,7 @@
     </p:spTree>
     <p:extLst>
       <p:ext uri="{BB962C8B-B14F-4D97-AF65-F5344CB8AC3E}">
-        <p14:creationId xmlns:p14="http://schemas.microsoft.com/office/powerpoint/2010/main" val="3250567847"/>
+        <p14:creationId xmlns:p14="http://schemas.microsoft.com/office/powerpoint/2010/main" val="2809139617"/>
       </p:ext>
     </p:extLst>
   </p:cSld>
@@ -1228,7 +1228,7 @@
           <p:cNvPr id="2" name="标题 1">
             <a:extLst>
               <a:ext uri="{FF2B5EF4-FFF2-40B4-BE49-F238E27FC236}">
-                <a16:creationId xmlns:a16="http://schemas.microsoft.com/office/drawing/2014/main" id="{0B6EC9E2-871D-DA4C-547B-0B029654EC3C}"/>
+                <a16:creationId xmlns:a16="http://schemas.microsoft.com/office/drawing/2014/main" id="{9AE2BBD1-03EC-ED23-317B-5E9778926826}"/>
               </a:ext>
             </a:extLst>
           </p:cNvPr>
@@ -1256,7 +1256,7 @@
           <p:cNvPr id="3" name="内容占位符 2">
             <a:extLst>
               <a:ext uri="{FF2B5EF4-FFF2-40B4-BE49-F238E27FC236}">
-                <a16:creationId xmlns:a16="http://schemas.microsoft.com/office/drawing/2014/main" id="{4BD849DB-F72E-8710-889B-590F7FC6D478}"/>
+                <a16:creationId xmlns:a16="http://schemas.microsoft.com/office/drawing/2014/main" id="{EF4DA692-1082-ED1E-ED93-64B37082D646}"/>
               </a:ext>
             </a:extLst>
           </p:cNvPr>
@@ -1318,7 +1318,7 @@
           <p:cNvPr id="4" name="内容占位符 3">
             <a:extLst>
               <a:ext uri="{FF2B5EF4-FFF2-40B4-BE49-F238E27FC236}">
-                <a16:creationId xmlns:a16="http://schemas.microsoft.com/office/drawing/2014/main" id="{B952031E-CAA1-7F4D-0795-CD6B77D22FC0}"/>
+                <a16:creationId xmlns:a16="http://schemas.microsoft.com/office/drawing/2014/main" id="{19708D00-F96B-CDD2-1BE4-C631A8FA8334}"/>
               </a:ext>
             </a:extLst>
           </p:cNvPr>
@@ -1380,7 +1380,7 @@
           <p:cNvPr id="5" name="日期占位符 4">
             <a:extLst>
               <a:ext uri="{FF2B5EF4-FFF2-40B4-BE49-F238E27FC236}">
-                <a16:creationId xmlns:a16="http://schemas.microsoft.com/office/drawing/2014/main" id="{9FC78B42-D556-EC47-811B-049B20FCCDF5}"/>
+                <a16:creationId xmlns:a16="http://schemas.microsoft.com/office/drawing/2014/main" id="{1BB6B987-35C7-501B-B0CA-0CCF0C21F182}"/>
               </a:ext>
             </a:extLst>
           </p:cNvPr>
@@ -1396,7 +1396,7 @@
           <a:bodyPr/>
           <a:lstStyle/>
           <a:p>
-            <a:fld id="{B987F4D6-B4FB-42AD-B0ED-BC3E7DB8F926}" type="datetimeFigureOut">
+            <a:fld id="{1B121939-A0EB-4235-8946-083D9CED9A0F}" type="datetimeFigureOut">
               <a:rPr lang="zh-CN" altLang="en-US" smtClean="0"/>
               <a:t>2024/3/10</a:t>
             </a:fld>
@@ -1409,7 +1409,7 @@
           <p:cNvPr id="6" name="页脚占位符 5">
             <a:extLst>
               <a:ext uri="{FF2B5EF4-FFF2-40B4-BE49-F238E27FC236}">
-                <a16:creationId xmlns:a16="http://schemas.microsoft.com/office/drawing/2014/main" id="{CFC6B446-C25D-D6B3-841D-E25DD6EB3ED6}"/>
+                <a16:creationId xmlns:a16="http://schemas.microsoft.com/office/drawing/2014/main" id="{DCD8F4D0-5062-3ED0-2AE3-9755E0BD60F8}"/>
               </a:ext>
             </a:extLst>
           </p:cNvPr>
@@ -1434,7 +1434,7 @@
           <p:cNvPr id="7" name="灯片编号占位符 6">
             <a:extLst>
               <a:ext uri="{FF2B5EF4-FFF2-40B4-BE49-F238E27FC236}">
-                <a16:creationId xmlns:a16="http://schemas.microsoft.com/office/drawing/2014/main" id="{909F6353-AEDA-C290-DE6F-E462C4DF491B}"/>
+                <a16:creationId xmlns:a16="http://schemas.microsoft.com/office/drawing/2014/main" id="{58B310F6-3C1D-DCCC-66AD-1350B49E9D9E}"/>
               </a:ext>
             </a:extLst>
           </p:cNvPr>
@@ -1450,7 +1450,7 @@
           <a:bodyPr/>
           <a:lstStyle/>
           <a:p>
-            <a:fld id="{B64218D0-BBFB-4DE2-BB6E-D585165E6F26}" type="slidenum">
+            <a:fld id="{7FC3E106-1664-462E-9DA7-2597B4353DCF}" type="slidenum">
               <a:rPr lang="zh-CN" altLang="en-US" smtClean="0"/>
               <a:t>‹#›</a:t>
             </a:fld>
@@ -1461,7 +1461,7 @@
     </p:spTree>
     <p:extLst>
       <p:ext uri="{BB962C8B-B14F-4D97-AF65-F5344CB8AC3E}">
-        <p14:creationId xmlns:p14="http://schemas.microsoft.com/office/powerpoint/2010/main" val="3645177615"/>
+        <p14:creationId xmlns:p14="http://schemas.microsoft.com/office/powerpoint/2010/main" val="1740223747"/>
       </p:ext>
     </p:extLst>
   </p:cSld>
@@ -1493,7 +1493,7 @@
           <p:cNvPr id="2" name="标题 1">
             <a:extLst>
               <a:ext uri="{FF2B5EF4-FFF2-40B4-BE49-F238E27FC236}">
-                <a16:creationId xmlns:a16="http://schemas.microsoft.com/office/drawing/2014/main" id="{70AE250F-C485-59D3-2FC1-3B0B7E5E1B49}"/>
+                <a16:creationId xmlns:a16="http://schemas.microsoft.com/office/drawing/2014/main" id="{163299ED-F040-3891-D7A9-30AEA1E05D95}"/>
               </a:ext>
             </a:extLst>
           </p:cNvPr>
@@ -1526,7 +1526,7 @@
           <p:cNvPr id="3" name="文本占位符 2">
             <a:extLst>
               <a:ext uri="{FF2B5EF4-FFF2-40B4-BE49-F238E27FC236}">
-                <a16:creationId xmlns:a16="http://schemas.microsoft.com/office/drawing/2014/main" id="{2D838ECD-0682-2A7B-FA72-C34F55315AED}"/>
+                <a16:creationId xmlns:a16="http://schemas.microsoft.com/office/drawing/2014/main" id="{B10D0BE9-DC28-370B-A467-2383CD729D49}"/>
               </a:ext>
             </a:extLst>
           </p:cNvPr>
@@ -1597,7 +1597,7 @@
           <p:cNvPr id="4" name="内容占位符 3">
             <a:extLst>
               <a:ext uri="{FF2B5EF4-FFF2-40B4-BE49-F238E27FC236}">
-                <a16:creationId xmlns:a16="http://schemas.microsoft.com/office/drawing/2014/main" id="{5103FA9D-546E-1C50-E0E0-DC156125C6E6}"/>
+                <a16:creationId xmlns:a16="http://schemas.microsoft.com/office/drawing/2014/main" id="{B0724DE0-DDDD-1A8F-4B6D-0FE4362DBD1D}"/>
               </a:ext>
             </a:extLst>
           </p:cNvPr>
@@ -1659,7 +1659,7 @@
           <p:cNvPr id="5" name="文本占位符 4">
             <a:extLst>
               <a:ext uri="{FF2B5EF4-FFF2-40B4-BE49-F238E27FC236}">
-                <a16:creationId xmlns:a16="http://schemas.microsoft.com/office/drawing/2014/main" id="{9A7A7103-85F4-B515-979D-70228311A320}"/>
+                <a16:creationId xmlns:a16="http://schemas.microsoft.com/office/drawing/2014/main" id="{58F58299-4A44-C0A5-2F80-FCB26F183D72}"/>
               </a:ext>
             </a:extLst>
           </p:cNvPr>
@@ -1730,7 +1730,7 @@
           <p:cNvPr id="6" name="内容占位符 5">
             <a:extLst>
               <a:ext uri="{FF2B5EF4-FFF2-40B4-BE49-F238E27FC236}">
-                <a16:creationId xmlns:a16="http://schemas.microsoft.com/office/drawing/2014/main" id="{FD91E9AA-83A2-B6C2-127F-5B0772508CD9}"/>
+                <a16:creationId xmlns:a16="http://schemas.microsoft.com/office/drawing/2014/main" id="{D8F2E1A6-B747-0998-8DDB-94509792989D}"/>
               </a:ext>
             </a:extLst>
           </p:cNvPr>
@@ -1792,7 +1792,7 @@
           <p:cNvPr id="7" name="日期占位符 6">
             <a:extLst>
               <a:ext uri="{FF2B5EF4-FFF2-40B4-BE49-F238E27FC236}">
-                <a16:creationId xmlns:a16="http://schemas.microsoft.com/office/drawing/2014/main" id="{087352C0-F4D1-C54A-E651-1D488EE5A0B5}"/>
+                <a16:creationId xmlns:a16="http://schemas.microsoft.com/office/drawing/2014/main" id="{0442D44E-8DDB-21CB-CB4B-B5311857CE6A}"/>
               </a:ext>
             </a:extLst>
           </p:cNvPr>
@@ -1808,7 +1808,7 @@
           <a:bodyPr/>
           <a:lstStyle/>
           <a:p>
-            <a:fld id="{B987F4D6-B4FB-42AD-B0ED-BC3E7DB8F926}" type="datetimeFigureOut">
+            <a:fld id="{1B121939-A0EB-4235-8946-083D9CED9A0F}" type="datetimeFigureOut">
               <a:rPr lang="zh-CN" altLang="en-US" smtClean="0"/>
               <a:t>2024/3/10</a:t>
             </a:fld>
@@ -1821,7 +1821,7 @@
           <p:cNvPr id="8" name="页脚占位符 7">
             <a:extLst>
               <a:ext uri="{FF2B5EF4-FFF2-40B4-BE49-F238E27FC236}">
-                <a16:creationId xmlns:a16="http://schemas.microsoft.com/office/drawing/2014/main" id="{74475000-2150-7906-F939-0C0907F974D1}"/>
+                <a16:creationId xmlns:a16="http://schemas.microsoft.com/office/drawing/2014/main" id="{AC038964-4CDC-4E7D-122E-52257308422B}"/>
               </a:ext>
             </a:extLst>
           </p:cNvPr>
@@ -1846,7 +1846,7 @@
           <p:cNvPr id="9" name="灯片编号占位符 8">
             <a:extLst>
               <a:ext uri="{FF2B5EF4-FFF2-40B4-BE49-F238E27FC236}">
-                <a16:creationId xmlns:a16="http://schemas.microsoft.com/office/drawing/2014/main" id="{5D93F33C-B1DA-DC03-5409-C4A515BE5DCB}"/>
+                <a16:creationId xmlns:a16="http://schemas.microsoft.com/office/drawing/2014/main" id="{3C8DB975-A40E-263B-C4BF-37CD60C8C41D}"/>
               </a:ext>
             </a:extLst>
           </p:cNvPr>
@@ -1862,7 +1862,7 @@
           <a:bodyPr/>
           <a:lstStyle/>
           <a:p>
-            <a:fld id="{B64218D0-BBFB-4DE2-BB6E-D585165E6F26}" type="slidenum">
+            <a:fld id="{7FC3E106-1664-462E-9DA7-2597B4353DCF}" type="slidenum">
               <a:rPr lang="zh-CN" altLang="en-US" smtClean="0"/>
               <a:t>‹#›</a:t>
             </a:fld>
@@ -1873,7 +1873,7 @@
     </p:spTree>
     <p:extLst>
       <p:ext uri="{BB962C8B-B14F-4D97-AF65-F5344CB8AC3E}">
-        <p14:creationId xmlns:p14="http://schemas.microsoft.com/office/powerpoint/2010/main" val="702735836"/>
+        <p14:creationId xmlns:p14="http://schemas.microsoft.com/office/powerpoint/2010/main" val="4287639792"/>
       </p:ext>
     </p:extLst>
   </p:cSld>
@@ -1905,7 +1905,7 @@
           <p:cNvPr id="2" name="标题 1">
             <a:extLst>
               <a:ext uri="{FF2B5EF4-FFF2-40B4-BE49-F238E27FC236}">
-                <a16:creationId xmlns:a16="http://schemas.microsoft.com/office/drawing/2014/main" id="{1F6F42B8-1467-DC6C-B8B7-CE65DAEDEE1A}"/>
+                <a16:creationId xmlns:a16="http://schemas.microsoft.com/office/drawing/2014/main" id="{A7C243D0-9BB4-537A-7A93-9296DDB7ACF4}"/>
               </a:ext>
             </a:extLst>
           </p:cNvPr>
@@ -1933,7 +1933,7 @@
           <p:cNvPr id="3" name="日期占位符 2">
             <a:extLst>
               <a:ext uri="{FF2B5EF4-FFF2-40B4-BE49-F238E27FC236}">
-                <a16:creationId xmlns:a16="http://schemas.microsoft.com/office/drawing/2014/main" id="{8F77082F-9298-1F00-2F75-9EAF9C9C028A}"/>
+                <a16:creationId xmlns:a16="http://schemas.microsoft.com/office/drawing/2014/main" id="{D815749D-FFBD-DC0E-EB7D-A3E4E127A914}"/>
               </a:ext>
             </a:extLst>
           </p:cNvPr>
@@ -1949,7 +1949,7 @@
           <a:bodyPr/>
           <a:lstStyle/>
           <a:p>
-            <a:fld id="{B987F4D6-B4FB-42AD-B0ED-BC3E7DB8F926}" type="datetimeFigureOut">
+            <a:fld id="{1B121939-A0EB-4235-8946-083D9CED9A0F}" type="datetimeFigureOut">
               <a:rPr lang="zh-CN" altLang="en-US" smtClean="0"/>
               <a:t>2024/3/10</a:t>
             </a:fld>
@@ -1962,7 +1962,7 @@
           <p:cNvPr id="4" name="页脚占位符 3">
             <a:extLst>
               <a:ext uri="{FF2B5EF4-FFF2-40B4-BE49-F238E27FC236}">
-                <a16:creationId xmlns:a16="http://schemas.microsoft.com/office/drawing/2014/main" id="{177E130D-DA2C-3073-2FBC-26468808CDEF}"/>
+                <a16:creationId xmlns:a16="http://schemas.microsoft.com/office/drawing/2014/main" id="{6949BA60-46F0-1AEE-7173-E9F9B5A0D535}"/>
               </a:ext>
             </a:extLst>
           </p:cNvPr>
@@ -1987,7 +1987,7 @@
           <p:cNvPr id="5" name="灯片编号占位符 4">
             <a:extLst>
               <a:ext uri="{FF2B5EF4-FFF2-40B4-BE49-F238E27FC236}">
-                <a16:creationId xmlns:a16="http://schemas.microsoft.com/office/drawing/2014/main" id="{2178E0CF-B374-F2CD-9342-D6FA200F2127}"/>
+                <a16:creationId xmlns:a16="http://schemas.microsoft.com/office/drawing/2014/main" id="{43465DE2-90DC-D50A-45A9-9BA61AAD1033}"/>
               </a:ext>
             </a:extLst>
           </p:cNvPr>
@@ -2003,7 +2003,7 @@
           <a:bodyPr/>
           <a:lstStyle/>
           <a:p>
-            <a:fld id="{B64218D0-BBFB-4DE2-BB6E-D585165E6F26}" type="slidenum">
+            <a:fld id="{7FC3E106-1664-462E-9DA7-2597B4353DCF}" type="slidenum">
               <a:rPr lang="zh-CN" altLang="en-US" smtClean="0"/>
               <a:t>‹#›</a:t>
             </a:fld>
@@ -2014,7 +2014,7 @@
     </p:spTree>
     <p:extLst>
       <p:ext uri="{BB962C8B-B14F-4D97-AF65-F5344CB8AC3E}">
-        <p14:creationId xmlns:p14="http://schemas.microsoft.com/office/powerpoint/2010/main" val="2441939761"/>
+        <p14:creationId xmlns:p14="http://schemas.microsoft.com/office/powerpoint/2010/main" val="4252643279"/>
       </p:ext>
     </p:extLst>
   </p:cSld>
@@ -2046,7 +2046,7 @@
           <p:cNvPr id="2" name="日期占位符 1">
             <a:extLst>
               <a:ext uri="{FF2B5EF4-FFF2-40B4-BE49-F238E27FC236}">
-                <a16:creationId xmlns:a16="http://schemas.microsoft.com/office/drawing/2014/main" id="{23A5BDAF-5CE1-C7B1-7B96-4F916EAEBEFC}"/>
+                <a16:creationId xmlns:a16="http://schemas.microsoft.com/office/drawing/2014/main" id="{9A2092A4-3FFC-0953-18F4-6A93655A8076}"/>
               </a:ext>
             </a:extLst>
           </p:cNvPr>
@@ -2062,7 +2062,7 @@
           <a:bodyPr/>
           <a:lstStyle/>
           <a:p>
-            <a:fld id="{B987F4D6-B4FB-42AD-B0ED-BC3E7DB8F926}" type="datetimeFigureOut">
+            <a:fld id="{1B121939-A0EB-4235-8946-083D9CED9A0F}" type="datetimeFigureOut">
               <a:rPr lang="zh-CN" altLang="en-US" smtClean="0"/>
               <a:t>2024/3/10</a:t>
             </a:fld>
@@ -2075,7 +2075,7 @@
           <p:cNvPr id="3" name="页脚占位符 2">
             <a:extLst>
               <a:ext uri="{FF2B5EF4-FFF2-40B4-BE49-F238E27FC236}">
-                <a16:creationId xmlns:a16="http://schemas.microsoft.com/office/drawing/2014/main" id="{9819927F-6450-CFA8-5C01-10557278AC8E}"/>
+                <a16:creationId xmlns:a16="http://schemas.microsoft.com/office/drawing/2014/main" id="{34522DAC-B7D3-F2C5-BD0D-D483719610E5}"/>
               </a:ext>
             </a:extLst>
           </p:cNvPr>
@@ -2100,7 +2100,7 @@
           <p:cNvPr id="4" name="灯片编号占位符 3">
             <a:extLst>
               <a:ext uri="{FF2B5EF4-FFF2-40B4-BE49-F238E27FC236}">
-                <a16:creationId xmlns:a16="http://schemas.microsoft.com/office/drawing/2014/main" id="{3FF17678-F328-5DFB-E4BE-E9B96F5A5F02}"/>
+                <a16:creationId xmlns:a16="http://schemas.microsoft.com/office/drawing/2014/main" id="{1459D1F7-1E42-F94A-A25B-E0B7F4FAF81B}"/>
               </a:ext>
             </a:extLst>
           </p:cNvPr>
@@ -2116,7 +2116,7 @@
           <a:bodyPr/>
           <a:lstStyle/>
           <a:p>
-            <a:fld id="{B64218D0-BBFB-4DE2-BB6E-D585165E6F26}" type="slidenum">
+            <a:fld id="{7FC3E106-1664-462E-9DA7-2597B4353DCF}" type="slidenum">
               <a:rPr lang="zh-CN" altLang="en-US" smtClean="0"/>
               <a:t>‹#›</a:t>
             </a:fld>
@@ -2127,7 +2127,7 @@
     </p:spTree>
     <p:extLst>
       <p:ext uri="{BB962C8B-B14F-4D97-AF65-F5344CB8AC3E}">
-        <p14:creationId xmlns:p14="http://schemas.microsoft.com/office/powerpoint/2010/main" val="2631477334"/>
+        <p14:creationId xmlns:p14="http://schemas.microsoft.com/office/powerpoint/2010/main" val="2272621291"/>
       </p:ext>
     </p:extLst>
   </p:cSld>
@@ -2159,7 +2159,7 @@
           <p:cNvPr id="2" name="标题 1">
             <a:extLst>
               <a:ext uri="{FF2B5EF4-FFF2-40B4-BE49-F238E27FC236}">
-                <a16:creationId xmlns:a16="http://schemas.microsoft.com/office/drawing/2014/main" id="{BE0F55FD-A95E-C00B-2FD2-26DBFE2866A1}"/>
+                <a16:creationId xmlns:a16="http://schemas.microsoft.com/office/drawing/2014/main" id="{C4B8383C-74EA-F7EF-DC73-9B582B0CB864}"/>
               </a:ext>
             </a:extLst>
           </p:cNvPr>
@@ -2196,7 +2196,7 @@
           <p:cNvPr id="3" name="内容占位符 2">
             <a:extLst>
               <a:ext uri="{FF2B5EF4-FFF2-40B4-BE49-F238E27FC236}">
-                <a16:creationId xmlns:a16="http://schemas.microsoft.com/office/drawing/2014/main" id="{62A79102-8F34-4FF1-E658-750DFDDC3D33}"/>
+                <a16:creationId xmlns:a16="http://schemas.microsoft.com/office/drawing/2014/main" id="{28EE356D-9D18-7210-3545-6FD2B894A46D}"/>
               </a:ext>
             </a:extLst>
           </p:cNvPr>
@@ -2286,7 +2286,7 @@
           <p:cNvPr id="4" name="文本占位符 3">
             <a:extLst>
               <a:ext uri="{FF2B5EF4-FFF2-40B4-BE49-F238E27FC236}">
-                <a16:creationId xmlns:a16="http://schemas.microsoft.com/office/drawing/2014/main" id="{C4A65C6A-15DF-EEB3-197A-9B85A7578405}"/>
+                <a16:creationId xmlns:a16="http://schemas.microsoft.com/office/drawing/2014/main" id="{04C9CECB-72B0-0883-50C2-D62C5B6B3EDB}"/>
               </a:ext>
             </a:extLst>
           </p:cNvPr>
@@ -2357,7 +2357,7 @@
           <p:cNvPr id="5" name="日期占位符 4">
             <a:extLst>
               <a:ext uri="{FF2B5EF4-FFF2-40B4-BE49-F238E27FC236}">
-                <a16:creationId xmlns:a16="http://schemas.microsoft.com/office/drawing/2014/main" id="{2C2E96EC-F365-8EFD-0D9E-3D1AE9ADDE56}"/>
+                <a16:creationId xmlns:a16="http://schemas.microsoft.com/office/drawing/2014/main" id="{B81F90BC-FA8D-DE54-F460-871961625EAC}"/>
               </a:ext>
             </a:extLst>
           </p:cNvPr>
@@ -2373,7 +2373,7 @@
           <a:bodyPr/>
           <a:lstStyle/>
           <a:p>
-            <a:fld id="{B987F4D6-B4FB-42AD-B0ED-BC3E7DB8F926}" type="datetimeFigureOut">
+            <a:fld id="{1B121939-A0EB-4235-8946-083D9CED9A0F}" type="datetimeFigureOut">
               <a:rPr lang="zh-CN" altLang="en-US" smtClean="0"/>
               <a:t>2024/3/10</a:t>
             </a:fld>
@@ -2386,7 +2386,7 @@
           <p:cNvPr id="6" name="页脚占位符 5">
             <a:extLst>
               <a:ext uri="{FF2B5EF4-FFF2-40B4-BE49-F238E27FC236}">
-                <a16:creationId xmlns:a16="http://schemas.microsoft.com/office/drawing/2014/main" id="{0B0A625E-32A8-60A8-B850-8CAB7D54EE75}"/>
+                <a16:creationId xmlns:a16="http://schemas.microsoft.com/office/drawing/2014/main" id="{F88E1441-0A88-7A16-6ACA-DD509E83853E}"/>
               </a:ext>
             </a:extLst>
           </p:cNvPr>
@@ -2411,7 +2411,7 @@
           <p:cNvPr id="7" name="灯片编号占位符 6">
             <a:extLst>
               <a:ext uri="{FF2B5EF4-FFF2-40B4-BE49-F238E27FC236}">
-                <a16:creationId xmlns:a16="http://schemas.microsoft.com/office/drawing/2014/main" id="{87B84017-3897-53DC-8207-B110CFB86A8A}"/>
+                <a16:creationId xmlns:a16="http://schemas.microsoft.com/office/drawing/2014/main" id="{5D34DDDD-A65C-D6D3-0B36-52FF25BF9178}"/>
               </a:ext>
             </a:extLst>
           </p:cNvPr>
@@ -2427,7 +2427,7 @@
           <a:bodyPr/>
           <a:lstStyle/>
           <a:p>
-            <a:fld id="{B64218D0-BBFB-4DE2-BB6E-D585165E6F26}" type="slidenum">
+            <a:fld id="{7FC3E106-1664-462E-9DA7-2597B4353DCF}" type="slidenum">
               <a:rPr lang="zh-CN" altLang="en-US" smtClean="0"/>
               <a:t>‹#›</a:t>
             </a:fld>
@@ -2438,7 +2438,7 @@
     </p:spTree>
     <p:extLst>
       <p:ext uri="{BB962C8B-B14F-4D97-AF65-F5344CB8AC3E}">
-        <p14:creationId xmlns:p14="http://schemas.microsoft.com/office/powerpoint/2010/main" val="3465055498"/>
+        <p14:creationId xmlns:p14="http://schemas.microsoft.com/office/powerpoint/2010/main" val="2199902586"/>
       </p:ext>
     </p:extLst>
   </p:cSld>
@@ -2470,7 +2470,7 @@
           <p:cNvPr id="2" name="标题 1">
             <a:extLst>
               <a:ext uri="{FF2B5EF4-FFF2-40B4-BE49-F238E27FC236}">
-                <a16:creationId xmlns:a16="http://schemas.microsoft.com/office/drawing/2014/main" id="{B7C32D83-9239-17C6-3449-21B1F2350A65}"/>
+                <a16:creationId xmlns:a16="http://schemas.microsoft.com/office/drawing/2014/main" id="{96986FA5-43AD-3067-D3E4-5EBC650D57A6}"/>
               </a:ext>
             </a:extLst>
           </p:cNvPr>
@@ -2507,7 +2507,7 @@
           <p:cNvPr id="3" name="图片占位符 2">
             <a:extLst>
               <a:ext uri="{FF2B5EF4-FFF2-40B4-BE49-F238E27FC236}">
-                <a16:creationId xmlns:a16="http://schemas.microsoft.com/office/drawing/2014/main" id="{B7CA0104-5213-DB09-B269-83573C78B9E4}"/>
+                <a16:creationId xmlns:a16="http://schemas.microsoft.com/office/drawing/2014/main" id="{DACFCC98-1989-4300-6BA4-21DE9B134CA1}"/>
               </a:ext>
             </a:extLst>
           </p:cNvPr>
@@ -2574,7 +2574,7 @@
           <p:cNvPr id="4" name="文本占位符 3">
             <a:extLst>
               <a:ext uri="{FF2B5EF4-FFF2-40B4-BE49-F238E27FC236}">
-                <a16:creationId xmlns:a16="http://schemas.microsoft.com/office/drawing/2014/main" id="{C6B9FF23-1B25-3CCC-A57F-927D13DB68A8}"/>
+                <a16:creationId xmlns:a16="http://schemas.microsoft.com/office/drawing/2014/main" id="{AB8B9A54-6C08-4E4D-EEC5-E014EE56986A}"/>
               </a:ext>
             </a:extLst>
           </p:cNvPr>
@@ -2645,7 +2645,7 @@
           <p:cNvPr id="5" name="日期占位符 4">
             <a:extLst>
               <a:ext uri="{FF2B5EF4-FFF2-40B4-BE49-F238E27FC236}">
-                <a16:creationId xmlns:a16="http://schemas.microsoft.com/office/drawing/2014/main" id="{842259A5-A14D-9FFF-2C3A-090E3318E76D}"/>
+                <a16:creationId xmlns:a16="http://schemas.microsoft.com/office/drawing/2014/main" id="{C301D84C-5A8F-17F2-B662-3D9C50805434}"/>
               </a:ext>
             </a:extLst>
           </p:cNvPr>
@@ -2661,7 +2661,7 @@
           <a:bodyPr/>
           <a:lstStyle/>
           <a:p>
-            <a:fld id="{B987F4D6-B4FB-42AD-B0ED-BC3E7DB8F926}" type="datetimeFigureOut">
+            <a:fld id="{1B121939-A0EB-4235-8946-083D9CED9A0F}" type="datetimeFigureOut">
               <a:rPr lang="zh-CN" altLang="en-US" smtClean="0"/>
               <a:t>2024/3/10</a:t>
             </a:fld>
@@ -2674,7 +2674,7 @@
           <p:cNvPr id="6" name="页脚占位符 5">
             <a:extLst>
               <a:ext uri="{FF2B5EF4-FFF2-40B4-BE49-F238E27FC236}">
-                <a16:creationId xmlns:a16="http://schemas.microsoft.com/office/drawing/2014/main" id="{139531A6-F5BB-BB63-60EC-219152592B68}"/>
+                <a16:creationId xmlns:a16="http://schemas.microsoft.com/office/drawing/2014/main" id="{4D92D168-80CA-0D86-F132-787ABC349181}"/>
               </a:ext>
             </a:extLst>
           </p:cNvPr>
@@ -2699,7 +2699,7 @@
           <p:cNvPr id="7" name="灯片编号占位符 6">
             <a:extLst>
               <a:ext uri="{FF2B5EF4-FFF2-40B4-BE49-F238E27FC236}">
-                <a16:creationId xmlns:a16="http://schemas.microsoft.com/office/drawing/2014/main" id="{A2D6B457-47EC-65AA-0463-2AABD76A5445}"/>
+                <a16:creationId xmlns:a16="http://schemas.microsoft.com/office/drawing/2014/main" id="{79C7401D-0A66-B371-71E8-6F84FEB42409}"/>
               </a:ext>
             </a:extLst>
           </p:cNvPr>
@@ -2715,7 +2715,7 @@
           <a:bodyPr/>
           <a:lstStyle/>
           <a:p>
-            <a:fld id="{B64218D0-BBFB-4DE2-BB6E-D585165E6F26}" type="slidenum">
+            <a:fld id="{7FC3E106-1664-462E-9DA7-2597B4353DCF}" type="slidenum">
               <a:rPr lang="zh-CN" altLang="en-US" smtClean="0"/>
               <a:t>‹#›</a:t>
             </a:fld>
@@ -2726,7 +2726,7 @@
     </p:spTree>
     <p:extLst>
       <p:ext uri="{BB962C8B-B14F-4D97-AF65-F5344CB8AC3E}">
-        <p14:creationId xmlns:p14="http://schemas.microsoft.com/office/powerpoint/2010/main" val="2079833105"/>
+        <p14:creationId xmlns:p14="http://schemas.microsoft.com/office/powerpoint/2010/main" val="2235718331"/>
       </p:ext>
     </p:extLst>
   </p:cSld>
@@ -2763,7 +2763,7 @@
           <p:cNvPr id="2" name="标题占位符 1">
             <a:extLst>
               <a:ext uri="{FF2B5EF4-FFF2-40B4-BE49-F238E27FC236}">
-                <a16:creationId xmlns:a16="http://schemas.microsoft.com/office/drawing/2014/main" id="{CBAB7104-DB7A-691D-F0E0-08784737E748}"/>
+                <a16:creationId xmlns:a16="http://schemas.microsoft.com/office/drawing/2014/main" id="{2FB7EA12-F6DA-544C-01A3-53E896B72C4B}"/>
               </a:ext>
             </a:extLst>
           </p:cNvPr>
@@ -2801,7 +2801,7 @@
           <p:cNvPr id="3" name="文本占位符 2">
             <a:extLst>
               <a:ext uri="{FF2B5EF4-FFF2-40B4-BE49-F238E27FC236}">
-                <a16:creationId xmlns:a16="http://schemas.microsoft.com/office/drawing/2014/main" id="{72B3A504-BF11-969A-961C-E6A16C1EE509}"/>
+                <a16:creationId xmlns:a16="http://schemas.microsoft.com/office/drawing/2014/main" id="{9CCC30D6-97B4-F8AA-1231-399F56CA3937}"/>
               </a:ext>
             </a:extLst>
           </p:cNvPr>
@@ -2868,7 +2868,7 @@
           <p:cNvPr id="4" name="日期占位符 3">
             <a:extLst>
               <a:ext uri="{FF2B5EF4-FFF2-40B4-BE49-F238E27FC236}">
-                <a16:creationId xmlns:a16="http://schemas.microsoft.com/office/drawing/2014/main" id="{9C95D7F6-2483-625B-58EC-F7F61E4F289A}"/>
+                <a16:creationId xmlns:a16="http://schemas.microsoft.com/office/drawing/2014/main" id="{90FC3F0F-623F-D399-C613-0987F14AF814}"/>
               </a:ext>
             </a:extLst>
           </p:cNvPr>
@@ -2902,7 +2902,7 @@
             </a:lvl1pPr>
           </a:lstStyle>
           <a:p>
-            <a:fld id="{B987F4D6-B4FB-42AD-B0ED-BC3E7DB8F926}" type="datetimeFigureOut">
+            <a:fld id="{1B121939-A0EB-4235-8946-083D9CED9A0F}" type="datetimeFigureOut">
               <a:rPr lang="zh-CN" altLang="en-US" smtClean="0"/>
               <a:t>2024/3/10</a:t>
             </a:fld>
@@ -2915,7 +2915,7 @@
           <p:cNvPr id="5" name="页脚占位符 4">
             <a:extLst>
               <a:ext uri="{FF2B5EF4-FFF2-40B4-BE49-F238E27FC236}">
-                <a16:creationId xmlns:a16="http://schemas.microsoft.com/office/drawing/2014/main" id="{8A1D8B3C-B55F-2CCC-EF4B-138C3815C07F}"/>
+                <a16:creationId xmlns:a16="http://schemas.microsoft.com/office/drawing/2014/main" id="{A3B767A0-D921-E1DA-2DAA-EFCDA2C64BEF}"/>
               </a:ext>
             </a:extLst>
           </p:cNvPr>
@@ -2958,7 +2958,7 @@
           <p:cNvPr id="6" name="灯片编号占位符 5">
             <a:extLst>
               <a:ext uri="{FF2B5EF4-FFF2-40B4-BE49-F238E27FC236}">
-                <a16:creationId xmlns:a16="http://schemas.microsoft.com/office/drawing/2014/main" id="{84958864-475C-348C-B35D-9A6CB89F4D1A}"/>
+                <a16:creationId xmlns:a16="http://schemas.microsoft.com/office/drawing/2014/main" id="{96194B36-920A-A6BF-1049-D454BC5ADDB7}"/>
               </a:ext>
             </a:extLst>
           </p:cNvPr>
@@ -2992,7 +2992,7 @@
             </a:lvl1pPr>
           </a:lstStyle>
           <a:p>
-            <a:fld id="{B64218D0-BBFB-4DE2-BB6E-D585165E6F26}" type="slidenum">
+            <a:fld id="{7FC3E106-1664-462E-9DA7-2597B4353DCF}" type="slidenum">
               <a:rPr lang="zh-CN" altLang="en-US" smtClean="0"/>
               <a:t>‹#›</a:t>
             </a:fld>
@@ -3003,7 +3003,7 @@
     </p:spTree>
     <p:extLst>
       <p:ext uri="{BB962C8B-B14F-4D97-AF65-F5344CB8AC3E}">
-        <p14:creationId xmlns:p14="http://schemas.microsoft.com/office/powerpoint/2010/main" val="3552519561"/>
+        <p14:creationId xmlns:p14="http://schemas.microsoft.com/office/powerpoint/2010/main" val="3087142360"/>
       </p:ext>
     </p:extLst>
   </p:cSld>
